--- a/ReportingServer_Delavnica.pptx
+++ b/ReportingServer_Delavnica.pptx
@@ -5,11 +5,16 @@
     <p:sldMasterId id="2147483683" r:id="rId1"/>
   </p:sldMasterIdLst>
   <p:notesMasterIdLst>
-    <p:notesMasterId r:id="rId4"/>
+    <p:notesMasterId r:id="rId9"/>
   </p:notesMasterIdLst>
   <p:sldIdLst>
     <p:sldId id="256" r:id="rId2"/>
     <p:sldId id="257" r:id="rId3"/>
+    <p:sldId id="258" r:id="rId4"/>
+    <p:sldId id="260" r:id="rId5"/>
+    <p:sldId id="261" r:id="rId6"/>
+    <p:sldId id="262" r:id="rId7"/>
+    <p:sldId id="259" r:id="rId8"/>
   </p:sldIdLst>
   <p:sldSz cx="9144000" cy="6858000" type="screen4x3"/>
   <p:notesSz cx="6858000" cy="9144000"/>
@@ -3300,8 +3305,12 @@
               <a:t>Service</a:t>
             </a:r>
             <a:r>
+              <a:rPr lang="sl-SI" smtClean="0"/>
+              <a:t>    </a:t>
+            </a:r>
+            <a:r>
               <a:rPr lang="sl-SI" dirty="0" smtClean="0"/>
-              <a:t> - Delavnica</a:t>
+              <a:t>- Delavnica</a:t>
             </a:r>
             <a:endParaRPr lang="en-US" dirty="0"/>
           </a:p>
@@ -3477,6 +3486,1169 @@
     <p:extLst>
       <p:ext uri="{BB962C8B-B14F-4D97-AF65-F5344CB8AC3E}">
         <p14:creationId xmlns:p14="http://schemas.microsoft.com/office/powerpoint/2010/main" val="3934861969"/>
+      </p:ext>
+    </p:extLst>
+  </p:cSld>
+  <p:clrMapOvr>
+    <a:masterClrMapping/>
+  </p:clrMapOvr>
+</p:sld>
+</file>
+
+<file path=ppt/slides/slide3.xml><?xml version="1.0" encoding="utf-8"?>
+<p:sld xmlns:a="http://schemas.openxmlformats.org/drawingml/2006/main" xmlns:r="http://schemas.openxmlformats.org/officeDocument/2006/relationships" xmlns:p="http://schemas.openxmlformats.org/presentationml/2006/main">
+  <p:cSld>
+    <p:spTree>
+      <p:nvGrpSpPr>
+        <p:cNvPr id="1" name=""/>
+        <p:cNvGrpSpPr/>
+        <p:nvPr/>
+      </p:nvGrpSpPr>
+      <p:grpSpPr>
+        <a:xfrm>
+          <a:off x="0" y="0"/>
+          <a:ext cx="0" cy="0"/>
+          <a:chOff x="0" y="0"/>
+          <a:chExt cx="0" cy="0"/>
+        </a:xfrm>
+      </p:grpSpPr>
+      <p:sp>
+        <p:nvSpPr>
+          <p:cNvPr id="2" name="Title 1"/>
+          <p:cNvSpPr>
+            <a:spLocks noGrp="1"/>
+          </p:cNvSpPr>
+          <p:nvPr>
+            <p:ph type="title"/>
+          </p:nvPr>
+        </p:nvSpPr>
+        <p:spPr/>
+        <p:txBody>
+          <a:bodyPr/>
+          <a:lstStyle/>
+          <a:p>
+            <a:r>
+              <a:rPr lang="en-GB" dirty="0"/>
+              <a:t>Creating simple reports</a:t>
+            </a:r>
+            <a:br>
+              <a:rPr lang="en-GB" dirty="0"/>
+            </a:br>
+            <a:endParaRPr lang="en-GB" dirty="0"/>
+          </a:p>
+        </p:txBody>
+      </p:sp>
+      <p:sp>
+        <p:nvSpPr>
+          <p:cNvPr id="3" name="Content Placeholder 2"/>
+          <p:cNvSpPr>
+            <a:spLocks noGrp="1"/>
+          </p:cNvSpPr>
+          <p:nvPr>
+            <p:ph idx="1"/>
+          </p:nvPr>
+        </p:nvSpPr>
+        <p:spPr/>
+        <p:txBody>
+          <a:bodyPr/>
+          <a:lstStyle/>
+          <a:p>
+            <a:r>
+              <a:rPr lang="sl-SI" dirty="0" err="1" smtClean="0"/>
+              <a:t>Naming</a:t>
+            </a:r>
+            <a:r>
+              <a:rPr lang="sl-SI" dirty="0" smtClean="0"/>
+              <a:t> </a:t>
+            </a:r>
+            <a:r>
+              <a:rPr lang="sl-SI" dirty="0" err="1" smtClean="0"/>
+              <a:t>convention</a:t>
+            </a:r>
+            <a:endParaRPr lang="sl-SI" dirty="0" smtClean="0"/>
+          </a:p>
+          <a:p>
+            <a:r>
+              <a:rPr lang="sl-SI" dirty="0" err="1" smtClean="0"/>
+              <a:t>Defining</a:t>
+            </a:r>
+            <a:r>
+              <a:rPr lang="sl-SI" dirty="0" smtClean="0"/>
+              <a:t> </a:t>
+            </a:r>
+            <a:r>
+              <a:rPr lang="sl-SI" dirty="0" err="1" smtClean="0"/>
+              <a:t>Connection</a:t>
+            </a:r>
+            <a:r>
+              <a:rPr lang="sl-SI" dirty="0" smtClean="0"/>
+              <a:t> </a:t>
+            </a:r>
+            <a:r>
+              <a:rPr lang="sl-SI" dirty="0" err="1" smtClean="0"/>
+              <a:t>string</a:t>
+            </a:r>
+            <a:r>
+              <a:rPr lang="sl-SI" dirty="0" smtClean="0"/>
+              <a:t>, data </a:t>
+            </a:r>
+            <a:r>
+              <a:rPr lang="sl-SI" dirty="0" err="1" smtClean="0"/>
+              <a:t>source</a:t>
+            </a:r>
+            <a:r>
+              <a:rPr lang="sl-SI" dirty="0" smtClean="0"/>
+              <a:t>, data </a:t>
+            </a:r>
+            <a:r>
+              <a:rPr lang="sl-SI" dirty="0" err="1" smtClean="0"/>
+              <a:t>sets</a:t>
+            </a:r>
+            <a:endParaRPr lang="sl-SI" dirty="0" smtClean="0"/>
+          </a:p>
+          <a:p>
+            <a:r>
+              <a:rPr lang="sl-SI" dirty="0" err="1" smtClean="0"/>
+              <a:t>Constructing</a:t>
+            </a:r>
+            <a:r>
+              <a:rPr lang="sl-SI" dirty="0" smtClean="0"/>
+              <a:t> </a:t>
+            </a:r>
+            <a:r>
+              <a:rPr lang="sl-SI" dirty="0" err="1" smtClean="0"/>
+              <a:t>report</a:t>
+            </a:r>
+            <a:r>
+              <a:rPr lang="sl-SI" dirty="0" smtClean="0"/>
+              <a:t> </a:t>
+            </a:r>
+            <a:r>
+              <a:rPr lang="sl-SI" dirty="0" err="1" smtClean="0"/>
+              <a:t>using</a:t>
+            </a:r>
+            <a:r>
+              <a:rPr lang="sl-SI" dirty="0" smtClean="0"/>
+              <a:t>:</a:t>
+            </a:r>
+          </a:p>
+          <a:p>
+            <a:pPr lvl="1"/>
+            <a:r>
+              <a:rPr lang="sl-SI" dirty="0" smtClean="0"/>
+              <a:t>Table</a:t>
+            </a:r>
+          </a:p>
+          <a:p>
+            <a:pPr lvl="1"/>
+            <a:r>
+              <a:rPr lang="sl-SI" dirty="0" err="1" smtClean="0"/>
+              <a:t>Matrix</a:t>
+            </a:r>
+            <a:endParaRPr lang="sl-SI" dirty="0" smtClean="0"/>
+          </a:p>
+          <a:p>
+            <a:pPr lvl="1"/>
+            <a:r>
+              <a:rPr lang="sl-SI" dirty="0" smtClean="0"/>
+              <a:t>List</a:t>
+            </a:r>
+          </a:p>
+          <a:p>
+            <a:r>
+              <a:rPr lang="sl-SI" dirty="0" err="1" smtClean="0"/>
+              <a:t>Visualize</a:t>
+            </a:r>
+            <a:r>
+              <a:rPr lang="sl-SI" dirty="0" smtClean="0"/>
+              <a:t> data:</a:t>
+            </a:r>
+          </a:p>
+          <a:p>
+            <a:pPr lvl="1"/>
+            <a:r>
+              <a:rPr lang="sl-SI" dirty="0" err="1" smtClean="0"/>
+              <a:t>Charts</a:t>
+            </a:r>
+            <a:endParaRPr lang="sl-SI" dirty="0" smtClean="0"/>
+          </a:p>
+          <a:p>
+            <a:pPr lvl="1"/>
+            <a:r>
+              <a:rPr lang="sl-SI" dirty="0" err="1" smtClean="0"/>
+              <a:t>Sparklines</a:t>
+            </a:r>
+            <a:endParaRPr lang="sl-SI" dirty="0" smtClean="0"/>
+          </a:p>
+          <a:p>
+            <a:pPr lvl="1"/>
+            <a:r>
+              <a:rPr lang="sl-SI" dirty="0" err="1" smtClean="0"/>
+              <a:t>Gauges</a:t>
+            </a:r>
+            <a:endParaRPr lang="sl-SI" dirty="0" smtClean="0"/>
+          </a:p>
+          <a:p>
+            <a:pPr lvl="1"/>
+            <a:r>
+              <a:rPr lang="sl-SI" dirty="0" err="1" smtClean="0"/>
+              <a:t>Indicators</a:t>
+            </a:r>
+            <a:endParaRPr lang="sl-SI" dirty="0" smtClean="0"/>
+          </a:p>
+          <a:p>
+            <a:pPr lvl="1"/>
+            <a:endParaRPr lang="sl-SI" dirty="0" smtClean="0"/>
+          </a:p>
+          <a:p>
+            <a:endParaRPr lang="en-GB" dirty="0"/>
+          </a:p>
+        </p:txBody>
+      </p:sp>
+      <p:sp>
+        <p:nvSpPr>
+          <p:cNvPr id="4" name="Slide Number Placeholder 3"/>
+          <p:cNvSpPr>
+            <a:spLocks noGrp="1"/>
+          </p:cNvSpPr>
+          <p:nvPr>
+            <p:ph type="sldNum" sz="quarter" idx="12"/>
+          </p:nvPr>
+        </p:nvSpPr>
+        <p:spPr/>
+        <p:txBody>
+          <a:bodyPr/>
+          <a:lstStyle/>
+          <a:p>
+            <a:fld id="{D57F1E4F-1CFF-5643-939E-02111984F565}" type="slidenum">
+              <a:rPr lang="en-US" smtClean="0"/>
+              <a:t>3</a:t>
+            </a:fld>
+            <a:endParaRPr lang="en-US" dirty="0"/>
+          </a:p>
+        </p:txBody>
+      </p:sp>
+      <p:sp>
+        <p:nvSpPr>
+          <p:cNvPr id="5" name="Rectangle 4">
+            <a:extLst>
+              <a:ext uri="{FF2B5EF4-FFF2-40B4-BE49-F238E27FC236}">
+                <a16:creationId xmlns:a16="http://schemas.microsoft.com/office/drawing/2014/main" id="{98F21170-E86D-4A9F-98E0-323AA939EB26}"/>
+              </a:ext>
+            </a:extLst>
+          </p:cNvPr>
+          <p:cNvSpPr/>
+          <p:nvPr/>
+        </p:nvSpPr>
+        <p:spPr>
+          <a:xfrm>
+            <a:off x="5485682" y="4797475"/>
+            <a:ext cx="2038058" cy="692497"/>
+          </a:xfrm>
+          <a:prstGeom prst="rect">
+            <a:avLst/>
+          </a:prstGeom>
+          <a:noFill/>
+        </p:spPr>
+        <p:txBody>
+          <a:bodyPr wrap="none" lIns="68580" tIns="34290" rIns="68580" bIns="34290">
+            <a:spAutoFit/>
+          </a:bodyPr>
+          <a:lstStyle/>
+          <a:p>
+            <a:pPr algn="ctr"/>
+            <a:r>
+              <a:rPr lang="sl-SI" sz="4050" dirty="0">
+                <a:ln w="0"/>
+                <a:effectLst>
+                  <a:outerShdw blurRad="38100" dist="19050" dir="2700000" algn="tl" rotWithShape="0">
+                    <a:schemeClr val="dk1">
+                      <a:alpha val="40000"/>
+                    </a:schemeClr>
+                  </a:outerShdw>
+                </a:effectLst>
+              </a:rPr>
+              <a:t>&gt;&gt; Demo</a:t>
+            </a:r>
+            <a:endParaRPr lang="en-US" sz="4050" dirty="0">
+              <a:ln w="0"/>
+              <a:effectLst>
+                <a:outerShdw blurRad="38100" dist="19050" dir="2700000" algn="tl" rotWithShape="0">
+                  <a:schemeClr val="dk1">
+                    <a:alpha val="40000"/>
+                  </a:schemeClr>
+                </a:outerShdw>
+              </a:effectLst>
+            </a:endParaRPr>
+          </a:p>
+        </p:txBody>
+      </p:sp>
+    </p:spTree>
+    <p:extLst>
+      <p:ext uri="{BB962C8B-B14F-4D97-AF65-F5344CB8AC3E}">
+        <p14:creationId xmlns:p14="http://schemas.microsoft.com/office/powerpoint/2010/main" val="1677146578"/>
+      </p:ext>
+    </p:extLst>
+  </p:cSld>
+  <p:clrMapOvr>
+    <a:masterClrMapping/>
+  </p:clrMapOvr>
+</p:sld>
+</file>
+
+<file path=ppt/slides/slide4.xml><?xml version="1.0" encoding="utf-8"?>
+<p:sld xmlns:a="http://schemas.openxmlformats.org/drawingml/2006/main" xmlns:r="http://schemas.openxmlformats.org/officeDocument/2006/relationships" xmlns:p="http://schemas.openxmlformats.org/presentationml/2006/main">
+  <p:cSld>
+    <p:spTree>
+      <p:nvGrpSpPr>
+        <p:cNvPr id="1" name=""/>
+        <p:cNvGrpSpPr/>
+        <p:nvPr/>
+      </p:nvGrpSpPr>
+      <p:grpSpPr>
+        <a:xfrm>
+          <a:off x="0" y="0"/>
+          <a:ext cx="0" cy="0"/>
+          <a:chOff x="0" y="0"/>
+          <a:chExt cx="0" cy="0"/>
+        </a:xfrm>
+      </p:grpSpPr>
+      <p:sp>
+        <p:nvSpPr>
+          <p:cNvPr id="2" name="Title 1"/>
+          <p:cNvSpPr>
+            <a:spLocks noGrp="1"/>
+          </p:cNvSpPr>
+          <p:nvPr>
+            <p:ph type="title"/>
+          </p:nvPr>
+        </p:nvSpPr>
+        <p:spPr/>
+        <p:txBody>
+          <a:bodyPr/>
+          <a:lstStyle/>
+          <a:p>
+            <a:r>
+              <a:rPr lang="en-GB" dirty="0"/>
+              <a:t>Using SP</a:t>
+            </a:r>
+          </a:p>
+        </p:txBody>
+      </p:sp>
+      <p:sp>
+        <p:nvSpPr>
+          <p:cNvPr id="3" name="Content Placeholder 2"/>
+          <p:cNvSpPr>
+            <a:spLocks noGrp="1"/>
+          </p:cNvSpPr>
+          <p:nvPr>
+            <p:ph idx="1"/>
+          </p:nvPr>
+        </p:nvSpPr>
+        <p:spPr/>
+        <p:txBody>
+          <a:bodyPr/>
+          <a:lstStyle/>
+          <a:p>
+            <a:r>
+              <a:rPr lang="sl-SI" dirty="0" err="1" smtClean="0"/>
+              <a:t>Pre-define</a:t>
+            </a:r>
+            <a:r>
+              <a:rPr lang="sl-SI" dirty="0" smtClean="0"/>
+              <a:t> SP in data </a:t>
+            </a:r>
+            <a:r>
+              <a:rPr lang="sl-SI" dirty="0" err="1" smtClean="0"/>
+              <a:t>source</a:t>
+            </a:r>
+            <a:r>
+              <a:rPr lang="sl-SI" dirty="0" smtClean="0"/>
+              <a:t> (SQL Server)</a:t>
+            </a:r>
+          </a:p>
+          <a:p>
+            <a:r>
+              <a:rPr lang="sl-SI" dirty="0" err="1" smtClean="0"/>
+              <a:t>Defining</a:t>
+            </a:r>
+            <a:r>
+              <a:rPr lang="sl-SI" dirty="0" smtClean="0"/>
+              <a:t> </a:t>
+            </a:r>
+            <a:r>
+              <a:rPr lang="sl-SI" dirty="0" err="1" smtClean="0"/>
+              <a:t>Connection</a:t>
+            </a:r>
+            <a:r>
+              <a:rPr lang="sl-SI" dirty="0" smtClean="0"/>
+              <a:t> </a:t>
+            </a:r>
+            <a:r>
+              <a:rPr lang="sl-SI" dirty="0" err="1" smtClean="0"/>
+              <a:t>string</a:t>
+            </a:r>
+            <a:r>
+              <a:rPr lang="sl-SI" dirty="0" smtClean="0"/>
+              <a:t>, data </a:t>
+            </a:r>
+            <a:r>
+              <a:rPr lang="sl-SI" dirty="0" err="1" smtClean="0"/>
+              <a:t>source</a:t>
+            </a:r>
+            <a:r>
+              <a:rPr lang="sl-SI" dirty="0" smtClean="0"/>
+              <a:t>, data </a:t>
+            </a:r>
+            <a:r>
+              <a:rPr lang="sl-SI" dirty="0" err="1" smtClean="0"/>
+              <a:t>sets</a:t>
+            </a:r>
+            <a:endParaRPr lang="sl-SI" dirty="0" smtClean="0"/>
+          </a:p>
+          <a:p>
+            <a:pPr marL="0" indent="0">
+              <a:buNone/>
+            </a:pPr>
+            <a:endParaRPr lang="sl-SI" dirty="0" smtClean="0"/>
+          </a:p>
+          <a:p>
+            <a:endParaRPr lang="sl-SI" dirty="0" smtClean="0"/>
+          </a:p>
+          <a:p>
+            <a:endParaRPr lang="en-GB" dirty="0"/>
+          </a:p>
+        </p:txBody>
+      </p:sp>
+      <p:sp>
+        <p:nvSpPr>
+          <p:cNvPr id="4" name="Slide Number Placeholder 3"/>
+          <p:cNvSpPr>
+            <a:spLocks noGrp="1"/>
+          </p:cNvSpPr>
+          <p:nvPr>
+            <p:ph type="sldNum" sz="quarter" idx="12"/>
+          </p:nvPr>
+        </p:nvSpPr>
+        <p:spPr/>
+        <p:txBody>
+          <a:bodyPr/>
+          <a:lstStyle/>
+          <a:p>
+            <a:fld id="{D57F1E4F-1CFF-5643-939E-02111984F565}" type="slidenum">
+              <a:rPr lang="en-US" smtClean="0"/>
+              <a:t>4</a:t>
+            </a:fld>
+            <a:endParaRPr lang="en-US" dirty="0"/>
+          </a:p>
+        </p:txBody>
+      </p:sp>
+      <p:sp>
+        <p:nvSpPr>
+          <p:cNvPr id="5" name="Rectangle 4">
+            <a:extLst>
+              <a:ext uri="{FF2B5EF4-FFF2-40B4-BE49-F238E27FC236}">
+                <a16:creationId xmlns:a16="http://schemas.microsoft.com/office/drawing/2014/main" id="{98F21170-E86D-4A9F-98E0-323AA939EB26}"/>
+              </a:ext>
+            </a:extLst>
+          </p:cNvPr>
+          <p:cNvSpPr/>
+          <p:nvPr/>
+        </p:nvSpPr>
+        <p:spPr>
+          <a:xfrm>
+            <a:off x="5485682" y="4797475"/>
+            <a:ext cx="2038058" cy="692497"/>
+          </a:xfrm>
+          <a:prstGeom prst="rect">
+            <a:avLst/>
+          </a:prstGeom>
+          <a:noFill/>
+        </p:spPr>
+        <p:txBody>
+          <a:bodyPr wrap="none" lIns="68580" tIns="34290" rIns="68580" bIns="34290">
+            <a:spAutoFit/>
+          </a:bodyPr>
+          <a:lstStyle/>
+          <a:p>
+            <a:pPr algn="ctr"/>
+            <a:r>
+              <a:rPr lang="sl-SI" sz="4050" dirty="0">
+                <a:ln w="0"/>
+                <a:effectLst>
+                  <a:outerShdw blurRad="38100" dist="19050" dir="2700000" algn="tl" rotWithShape="0">
+                    <a:schemeClr val="dk1">
+                      <a:alpha val="40000"/>
+                    </a:schemeClr>
+                  </a:outerShdw>
+                </a:effectLst>
+              </a:rPr>
+              <a:t>&gt;&gt; Demo</a:t>
+            </a:r>
+            <a:endParaRPr lang="en-US" sz="4050" dirty="0">
+              <a:ln w="0"/>
+              <a:effectLst>
+                <a:outerShdw blurRad="38100" dist="19050" dir="2700000" algn="tl" rotWithShape="0">
+                  <a:schemeClr val="dk1">
+                    <a:alpha val="40000"/>
+                  </a:schemeClr>
+                </a:outerShdw>
+              </a:effectLst>
+            </a:endParaRPr>
+          </a:p>
+        </p:txBody>
+      </p:sp>
+    </p:spTree>
+    <p:extLst>
+      <p:ext uri="{BB962C8B-B14F-4D97-AF65-F5344CB8AC3E}">
+        <p14:creationId xmlns:p14="http://schemas.microsoft.com/office/powerpoint/2010/main" val="1299513916"/>
+      </p:ext>
+    </p:extLst>
+  </p:cSld>
+  <p:clrMapOvr>
+    <a:masterClrMapping/>
+  </p:clrMapOvr>
+</p:sld>
+</file>
+
+<file path=ppt/slides/slide5.xml><?xml version="1.0" encoding="utf-8"?>
+<p:sld xmlns:a="http://schemas.openxmlformats.org/drawingml/2006/main" xmlns:r="http://schemas.openxmlformats.org/officeDocument/2006/relationships" xmlns:p="http://schemas.openxmlformats.org/presentationml/2006/main">
+  <p:cSld>
+    <p:spTree>
+      <p:nvGrpSpPr>
+        <p:cNvPr id="1" name=""/>
+        <p:cNvGrpSpPr/>
+        <p:nvPr/>
+      </p:nvGrpSpPr>
+      <p:grpSpPr>
+        <a:xfrm>
+          <a:off x="0" y="0"/>
+          <a:ext cx="0" cy="0"/>
+          <a:chOff x="0" y="0"/>
+          <a:chExt cx="0" cy="0"/>
+        </a:xfrm>
+      </p:grpSpPr>
+      <p:sp>
+        <p:nvSpPr>
+          <p:cNvPr id="2" name="Title 1"/>
+          <p:cNvSpPr>
+            <a:spLocks noGrp="1"/>
+          </p:cNvSpPr>
+          <p:nvPr>
+            <p:ph type="title"/>
+          </p:nvPr>
+        </p:nvSpPr>
+        <p:spPr/>
+        <p:txBody>
+          <a:bodyPr/>
+          <a:lstStyle/>
+          <a:p>
+            <a:r>
+              <a:rPr lang="sl-SI" dirty="0" err="1" smtClean="0"/>
+              <a:t>Embedding</a:t>
+            </a:r>
+            <a:r>
+              <a:rPr lang="sl-SI" dirty="0" smtClean="0"/>
+              <a:t> </a:t>
+            </a:r>
+            <a:r>
+              <a:rPr lang="sl-SI" dirty="0" err="1" smtClean="0"/>
+              <a:t>Grahps</a:t>
+            </a:r>
+            <a:endParaRPr lang="en-GB" dirty="0"/>
+          </a:p>
+        </p:txBody>
+      </p:sp>
+      <p:sp>
+        <p:nvSpPr>
+          <p:cNvPr id="3" name="Content Placeholder 2"/>
+          <p:cNvSpPr>
+            <a:spLocks noGrp="1"/>
+          </p:cNvSpPr>
+          <p:nvPr>
+            <p:ph idx="1"/>
+          </p:nvPr>
+        </p:nvSpPr>
+        <p:spPr/>
+        <p:txBody>
+          <a:bodyPr/>
+          <a:lstStyle/>
+          <a:p>
+            <a:r>
+              <a:rPr lang="sl-SI" dirty="0" err="1" smtClean="0"/>
+              <a:t>Add</a:t>
+            </a:r>
+            <a:r>
+              <a:rPr lang="sl-SI" dirty="0" smtClean="0"/>
+              <a:t> </a:t>
+            </a:r>
+            <a:r>
+              <a:rPr lang="sl-SI" dirty="0" err="1" smtClean="0"/>
+              <a:t>graphs</a:t>
+            </a:r>
+            <a:endParaRPr lang="sl-SI" dirty="0" smtClean="0"/>
+          </a:p>
+          <a:p>
+            <a:r>
+              <a:rPr lang="sl-SI" dirty="0" err="1" smtClean="0"/>
+              <a:t>Connect</a:t>
+            </a:r>
+            <a:r>
+              <a:rPr lang="sl-SI" dirty="0" smtClean="0"/>
+              <a:t> to </a:t>
+            </a:r>
+            <a:r>
+              <a:rPr lang="sl-SI" dirty="0" err="1" smtClean="0"/>
+              <a:t>datasets</a:t>
+            </a:r>
+            <a:endParaRPr lang="sl-SI" dirty="0" smtClean="0"/>
+          </a:p>
+          <a:p>
+            <a:endParaRPr lang="sl-SI" dirty="0" smtClean="0"/>
+          </a:p>
+          <a:p>
+            <a:pPr marL="0" indent="0">
+              <a:buNone/>
+            </a:pPr>
+            <a:endParaRPr lang="sl-SI" dirty="0" smtClean="0"/>
+          </a:p>
+          <a:p>
+            <a:endParaRPr lang="sl-SI" dirty="0" smtClean="0"/>
+          </a:p>
+          <a:p>
+            <a:endParaRPr lang="en-GB" dirty="0"/>
+          </a:p>
+        </p:txBody>
+      </p:sp>
+      <p:sp>
+        <p:nvSpPr>
+          <p:cNvPr id="4" name="Slide Number Placeholder 3"/>
+          <p:cNvSpPr>
+            <a:spLocks noGrp="1"/>
+          </p:cNvSpPr>
+          <p:nvPr>
+            <p:ph type="sldNum" sz="quarter" idx="12"/>
+          </p:nvPr>
+        </p:nvSpPr>
+        <p:spPr/>
+        <p:txBody>
+          <a:bodyPr/>
+          <a:lstStyle/>
+          <a:p>
+            <a:fld id="{D57F1E4F-1CFF-5643-939E-02111984F565}" type="slidenum">
+              <a:rPr lang="en-US" smtClean="0"/>
+              <a:t>5</a:t>
+            </a:fld>
+            <a:endParaRPr lang="en-US" dirty="0"/>
+          </a:p>
+        </p:txBody>
+      </p:sp>
+      <p:sp>
+        <p:nvSpPr>
+          <p:cNvPr id="5" name="Rectangle 4">
+            <a:extLst>
+              <a:ext uri="{FF2B5EF4-FFF2-40B4-BE49-F238E27FC236}">
+                <a16:creationId xmlns:a16="http://schemas.microsoft.com/office/drawing/2014/main" id="{98F21170-E86D-4A9F-98E0-323AA939EB26}"/>
+              </a:ext>
+            </a:extLst>
+          </p:cNvPr>
+          <p:cNvSpPr/>
+          <p:nvPr/>
+        </p:nvSpPr>
+        <p:spPr>
+          <a:xfrm>
+            <a:off x="5485682" y="4797475"/>
+            <a:ext cx="2038058" cy="692497"/>
+          </a:xfrm>
+          <a:prstGeom prst="rect">
+            <a:avLst/>
+          </a:prstGeom>
+          <a:noFill/>
+        </p:spPr>
+        <p:txBody>
+          <a:bodyPr wrap="none" lIns="68580" tIns="34290" rIns="68580" bIns="34290">
+            <a:spAutoFit/>
+          </a:bodyPr>
+          <a:lstStyle/>
+          <a:p>
+            <a:pPr algn="ctr"/>
+            <a:r>
+              <a:rPr lang="sl-SI" sz="4050" dirty="0">
+                <a:ln w="0"/>
+                <a:effectLst>
+                  <a:outerShdw blurRad="38100" dist="19050" dir="2700000" algn="tl" rotWithShape="0">
+                    <a:schemeClr val="dk1">
+                      <a:alpha val="40000"/>
+                    </a:schemeClr>
+                  </a:outerShdw>
+                </a:effectLst>
+              </a:rPr>
+              <a:t>&gt;&gt; Demo</a:t>
+            </a:r>
+            <a:endParaRPr lang="en-US" sz="4050" dirty="0">
+              <a:ln w="0"/>
+              <a:effectLst>
+                <a:outerShdw blurRad="38100" dist="19050" dir="2700000" algn="tl" rotWithShape="0">
+                  <a:schemeClr val="dk1">
+                    <a:alpha val="40000"/>
+                  </a:schemeClr>
+                </a:outerShdw>
+              </a:effectLst>
+            </a:endParaRPr>
+          </a:p>
+        </p:txBody>
+      </p:sp>
+    </p:spTree>
+    <p:extLst>
+      <p:ext uri="{BB962C8B-B14F-4D97-AF65-F5344CB8AC3E}">
+        <p14:creationId xmlns:p14="http://schemas.microsoft.com/office/powerpoint/2010/main" val="3077013917"/>
+      </p:ext>
+    </p:extLst>
+  </p:cSld>
+  <p:clrMapOvr>
+    <a:masterClrMapping/>
+  </p:clrMapOvr>
+</p:sld>
+</file>
+
+<file path=ppt/slides/slide6.xml><?xml version="1.0" encoding="utf-8"?>
+<p:sld xmlns:a="http://schemas.openxmlformats.org/drawingml/2006/main" xmlns:r="http://schemas.openxmlformats.org/officeDocument/2006/relationships" xmlns:p="http://schemas.openxmlformats.org/presentationml/2006/main">
+  <p:cSld>
+    <p:spTree>
+      <p:nvGrpSpPr>
+        <p:cNvPr id="1" name=""/>
+        <p:cNvGrpSpPr/>
+        <p:nvPr/>
+      </p:nvGrpSpPr>
+      <p:grpSpPr>
+        <a:xfrm>
+          <a:off x="0" y="0"/>
+          <a:ext cx="0" cy="0"/>
+          <a:chOff x="0" y="0"/>
+          <a:chExt cx="0" cy="0"/>
+        </a:xfrm>
+      </p:grpSpPr>
+      <p:sp>
+        <p:nvSpPr>
+          <p:cNvPr id="2" name="Title 1"/>
+          <p:cNvSpPr>
+            <a:spLocks noGrp="1"/>
+          </p:cNvSpPr>
+          <p:nvPr>
+            <p:ph type="title"/>
+          </p:nvPr>
+        </p:nvSpPr>
+        <p:spPr/>
+        <p:txBody>
+          <a:bodyPr/>
+          <a:lstStyle/>
+          <a:p>
+            <a:r>
+              <a:rPr lang="en-GB" dirty="0"/>
+              <a:t>Embedding R (Python) code</a:t>
+            </a:r>
+            <a:endParaRPr lang="en-GB" dirty="0"/>
+          </a:p>
+        </p:txBody>
+      </p:sp>
+      <p:sp>
+        <p:nvSpPr>
+          <p:cNvPr id="3" name="Content Placeholder 2"/>
+          <p:cNvSpPr>
+            <a:spLocks noGrp="1"/>
+          </p:cNvSpPr>
+          <p:nvPr>
+            <p:ph idx="1"/>
+          </p:nvPr>
+        </p:nvSpPr>
+        <p:spPr/>
+        <p:txBody>
+          <a:bodyPr/>
+          <a:lstStyle/>
+          <a:p>
+            <a:r>
+              <a:rPr lang="sl-SI" dirty="0" err="1" smtClean="0"/>
+              <a:t>Add</a:t>
+            </a:r>
+            <a:r>
+              <a:rPr lang="sl-SI" dirty="0" smtClean="0"/>
+              <a:t> SP</a:t>
+            </a:r>
+          </a:p>
+          <a:p>
+            <a:r>
+              <a:rPr lang="sl-SI" dirty="0" err="1" smtClean="0"/>
+              <a:t>Create</a:t>
+            </a:r>
+            <a:r>
+              <a:rPr lang="sl-SI" dirty="0" smtClean="0"/>
+              <a:t> </a:t>
+            </a:r>
+            <a:r>
+              <a:rPr lang="sl-SI" dirty="0" err="1" smtClean="0"/>
+              <a:t>and</a:t>
+            </a:r>
+            <a:r>
+              <a:rPr lang="sl-SI" dirty="0" smtClean="0"/>
+              <a:t> </a:t>
+            </a:r>
+            <a:r>
+              <a:rPr lang="sl-SI" dirty="0" err="1" smtClean="0"/>
+              <a:t>generate</a:t>
+            </a:r>
+            <a:r>
+              <a:rPr lang="sl-SI" dirty="0" smtClean="0"/>
+              <a:t> </a:t>
+            </a:r>
+            <a:r>
+              <a:rPr lang="sl-SI" dirty="0" err="1" smtClean="0"/>
+              <a:t>code</a:t>
+            </a:r>
+            <a:r>
+              <a:rPr lang="sl-SI" dirty="0" smtClean="0"/>
+              <a:t> </a:t>
+            </a:r>
+            <a:r>
+              <a:rPr lang="sl-SI" dirty="0" err="1" smtClean="0"/>
+              <a:t>dynamically</a:t>
+            </a:r>
+            <a:endParaRPr lang="sl-SI" dirty="0" smtClean="0"/>
+          </a:p>
+          <a:p>
+            <a:r>
+              <a:rPr lang="sl-SI" dirty="0" smtClean="0"/>
+              <a:t>Use </a:t>
+            </a:r>
+            <a:r>
+              <a:rPr lang="sl-SI" dirty="0" err="1" smtClean="0"/>
+              <a:t>parameters</a:t>
+            </a:r>
+            <a:endParaRPr lang="sl-SI" dirty="0" smtClean="0"/>
+          </a:p>
+          <a:p>
+            <a:endParaRPr lang="sl-SI" dirty="0" smtClean="0"/>
+          </a:p>
+          <a:p>
+            <a:pPr marL="0" indent="0">
+              <a:buNone/>
+            </a:pPr>
+            <a:endParaRPr lang="sl-SI" dirty="0" smtClean="0"/>
+          </a:p>
+          <a:p>
+            <a:endParaRPr lang="sl-SI" dirty="0" smtClean="0"/>
+          </a:p>
+          <a:p>
+            <a:endParaRPr lang="en-GB" dirty="0"/>
+          </a:p>
+        </p:txBody>
+      </p:sp>
+      <p:sp>
+        <p:nvSpPr>
+          <p:cNvPr id="4" name="Slide Number Placeholder 3"/>
+          <p:cNvSpPr>
+            <a:spLocks noGrp="1"/>
+          </p:cNvSpPr>
+          <p:nvPr>
+            <p:ph type="sldNum" sz="quarter" idx="12"/>
+          </p:nvPr>
+        </p:nvSpPr>
+        <p:spPr/>
+        <p:txBody>
+          <a:bodyPr/>
+          <a:lstStyle/>
+          <a:p>
+            <a:fld id="{D57F1E4F-1CFF-5643-939E-02111984F565}" type="slidenum">
+              <a:rPr lang="en-US" smtClean="0"/>
+              <a:t>6</a:t>
+            </a:fld>
+            <a:endParaRPr lang="en-US" dirty="0"/>
+          </a:p>
+        </p:txBody>
+      </p:sp>
+      <p:sp>
+        <p:nvSpPr>
+          <p:cNvPr id="5" name="Rectangle 4">
+            <a:extLst>
+              <a:ext uri="{FF2B5EF4-FFF2-40B4-BE49-F238E27FC236}">
+                <a16:creationId xmlns:a16="http://schemas.microsoft.com/office/drawing/2014/main" id="{98F21170-E86D-4A9F-98E0-323AA939EB26}"/>
+              </a:ext>
+            </a:extLst>
+          </p:cNvPr>
+          <p:cNvSpPr/>
+          <p:nvPr/>
+        </p:nvSpPr>
+        <p:spPr>
+          <a:xfrm>
+            <a:off x="5485682" y="4797475"/>
+            <a:ext cx="2038058" cy="692497"/>
+          </a:xfrm>
+          <a:prstGeom prst="rect">
+            <a:avLst/>
+          </a:prstGeom>
+          <a:noFill/>
+        </p:spPr>
+        <p:txBody>
+          <a:bodyPr wrap="none" lIns="68580" tIns="34290" rIns="68580" bIns="34290">
+            <a:spAutoFit/>
+          </a:bodyPr>
+          <a:lstStyle/>
+          <a:p>
+            <a:pPr algn="ctr"/>
+            <a:r>
+              <a:rPr lang="sl-SI" sz="4050" dirty="0">
+                <a:ln w="0"/>
+                <a:effectLst>
+                  <a:outerShdw blurRad="38100" dist="19050" dir="2700000" algn="tl" rotWithShape="0">
+                    <a:schemeClr val="dk1">
+                      <a:alpha val="40000"/>
+                    </a:schemeClr>
+                  </a:outerShdw>
+                </a:effectLst>
+              </a:rPr>
+              <a:t>&gt;&gt; Demo</a:t>
+            </a:r>
+            <a:endParaRPr lang="en-US" sz="4050" dirty="0">
+              <a:ln w="0"/>
+              <a:effectLst>
+                <a:outerShdw blurRad="38100" dist="19050" dir="2700000" algn="tl" rotWithShape="0">
+                  <a:schemeClr val="dk1">
+                    <a:alpha val="40000"/>
+                  </a:schemeClr>
+                </a:outerShdw>
+              </a:effectLst>
+            </a:endParaRPr>
+          </a:p>
+        </p:txBody>
+      </p:sp>
+    </p:spTree>
+    <p:extLst>
+      <p:ext uri="{BB962C8B-B14F-4D97-AF65-F5344CB8AC3E}">
+        <p14:creationId xmlns:p14="http://schemas.microsoft.com/office/powerpoint/2010/main" val="3544871900"/>
+      </p:ext>
+    </p:extLst>
+  </p:cSld>
+  <p:clrMapOvr>
+    <a:masterClrMapping/>
+  </p:clrMapOvr>
+</p:sld>
+</file>
+
+<file path=ppt/slides/slide7.xml><?xml version="1.0" encoding="utf-8"?>
+<p:sld xmlns:a="http://schemas.openxmlformats.org/drawingml/2006/main" xmlns:r="http://schemas.openxmlformats.org/officeDocument/2006/relationships" xmlns:p="http://schemas.openxmlformats.org/presentationml/2006/main">
+  <p:cSld>
+    <p:spTree>
+      <p:nvGrpSpPr>
+        <p:cNvPr id="1" name=""/>
+        <p:cNvGrpSpPr/>
+        <p:nvPr/>
+      </p:nvGrpSpPr>
+      <p:grpSpPr>
+        <a:xfrm>
+          <a:off x="0" y="0"/>
+          <a:ext cx="0" cy="0"/>
+          <a:chOff x="0" y="0"/>
+          <a:chExt cx="0" cy="0"/>
+        </a:xfrm>
+      </p:grpSpPr>
+      <p:sp>
+        <p:nvSpPr>
+          <p:cNvPr id="2" name="Title 1"/>
+          <p:cNvSpPr>
+            <a:spLocks noGrp="1"/>
+          </p:cNvSpPr>
+          <p:nvPr>
+            <p:ph type="title"/>
+          </p:nvPr>
+        </p:nvSpPr>
+        <p:spPr/>
+        <p:txBody>
+          <a:bodyPr/>
+          <a:lstStyle/>
+          <a:p>
+            <a:r>
+              <a:rPr lang="sl-SI" dirty="0" smtClean="0"/>
+              <a:t>On-line </a:t>
+            </a:r>
+            <a:r>
+              <a:rPr lang="sl-SI" dirty="0" err="1" smtClean="0"/>
+              <a:t>resources</a:t>
+            </a:r>
+            <a:r>
+              <a:rPr lang="en-GB" dirty="0"/>
+              <a:t/>
+            </a:r>
+            <a:br>
+              <a:rPr lang="en-GB" dirty="0"/>
+            </a:br>
+            <a:endParaRPr lang="en-GB" dirty="0"/>
+          </a:p>
+        </p:txBody>
+      </p:sp>
+      <p:sp>
+        <p:nvSpPr>
+          <p:cNvPr id="3" name="Content Placeholder 2"/>
+          <p:cNvSpPr>
+            <a:spLocks noGrp="1"/>
+          </p:cNvSpPr>
+          <p:nvPr>
+            <p:ph idx="1"/>
+          </p:nvPr>
+        </p:nvSpPr>
+        <p:spPr/>
+        <p:txBody>
+          <a:bodyPr>
+            <a:normAutofit/>
+          </a:bodyPr>
+          <a:lstStyle/>
+          <a:p>
+            <a:pPr marL="0" indent="0">
+              <a:buNone/>
+            </a:pPr>
+            <a:r>
+              <a:rPr lang="sl-SI" dirty="0" err="1" smtClean="0"/>
+              <a:t>Additional</a:t>
+            </a:r>
+            <a:r>
+              <a:rPr lang="sl-SI" dirty="0" smtClean="0"/>
+              <a:t> </a:t>
+            </a:r>
+            <a:r>
+              <a:rPr lang="sl-SI" dirty="0" err="1" smtClean="0"/>
+              <a:t>reading</a:t>
+            </a:r>
+            <a:r>
+              <a:rPr lang="sl-SI" dirty="0"/>
+              <a:t>: </a:t>
+            </a:r>
+            <a:endParaRPr lang="sl-SI" dirty="0" smtClean="0"/>
+          </a:p>
+          <a:p>
+            <a:pPr marL="0" indent="0">
+              <a:buNone/>
+            </a:pPr>
+            <a:r>
+              <a:rPr lang="sl-SI" dirty="0" smtClean="0">
+                <a:hlinkClick r:id="rId2"/>
+              </a:rPr>
+              <a:t>https</a:t>
+            </a:r>
+            <a:r>
+              <a:rPr lang="sl-SI" dirty="0">
+                <a:hlinkClick r:id="rId2"/>
+              </a:rPr>
+              <a:t>://</a:t>
+            </a:r>
+            <a:r>
+              <a:rPr lang="sl-SI" dirty="0" smtClean="0">
+                <a:hlinkClick r:id="rId2"/>
+              </a:rPr>
+              <a:t>docs.microsoft.com/en-us/sql/reporting-services/report-design/planning-a-report-report-builder</a:t>
+            </a:r>
+            <a:endParaRPr lang="sl-SI" dirty="0"/>
+          </a:p>
+          <a:p>
+            <a:pPr marL="0" indent="0">
+              <a:buNone/>
+            </a:pPr>
+            <a:r>
+              <a:rPr lang="sl-SI" dirty="0" err="1" smtClean="0"/>
+              <a:t>Amazon</a:t>
+            </a:r>
+            <a:r>
+              <a:rPr lang="sl-SI" dirty="0" smtClean="0"/>
+              <a:t>:</a:t>
+            </a:r>
+          </a:p>
+          <a:p>
+            <a:pPr marL="0" indent="0">
+              <a:buNone/>
+            </a:pPr>
+            <a:r>
+              <a:rPr lang="sl-SI" dirty="0">
+                <a:hlinkClick r:id="rId3"/>
+              </a:rPr>
+              <a:t>https://</a:t>
+            </a:r>
+            <a:r>
+              <a:rPr lang="sl-SI" dirty="0" smtClean="0">
+                <a:hlinkClick r:id="rId3"/>
+              </a:rPr>
+              <a:t>www.amazon.com/Professional-Microsoft-Reporting-Services-Reports/dp/1119258359/ref=sr_1_2?ie=UTF8&amp;qid=1519289373&amp;sr=8-2&amp;keywords=reporting+services+2016</a:t>
+            </a:r>
+            <a:endParaRPr lang="sl-SI" dirty="0" smtClean="0"/>
+          </a:p>
+          <a:p>
+            <a:pPr marL="0" indent="0">
+              <a:buNone/>
+            </a:pPr>
+            <a:r>
+              <a:rPr lang="sl-SI" dirty="0" err="1" smtClean="0"/>
+              <a:t>Youtube</a:t>
+            </a:r>
+            <a:r>
+              <a:rPr lang="sl-SI" dirty="0" smtClean="0"/>
+              <a:t>:</a:t>
+            </a:r>
+          </a:p>
+          <a:p>
+            <a:pPr marL="0" indent="0">
+              <a:buNone/>
+            </a:pPr>
+            <a:r>
+              <a:rPr lang="sl-SI" dirty="0">
+                <a:hlinkClick r:id="rId4"/>
+              </a:rPr>
+              <a:t>https://</a:t>
+            </a:r>
+            <a:r>
+              <a:rPr lang="sl-SI" dirty="0" smtClean="0">
+                <a:hlinkClick r:id="rId4"/>
+              </a:rPr>
+              <a:t>www.youtube.com/watch?v=RzouVBpT1uA</a:t>
+            </a:r>
+            <a:endParaRPr lang="sl-SI" dirty="0" smtClean="0"/>
+          </a:p>
+          <a:p>
+            <a:pPr marL="0" indent="0">
+              <a:buNone/>
+            </a:pPr>
+            <a:endParaRPr lang="sl-SI" dirty="0" smtClean="0"/>
+          </a:p>
+          <a:p>
+            <a:endParaRPr lang="sl-SI" dirty="0" smtClean="0"/>
+          </a:p>
+          <a:p>
+            <a:endParaRPr lang="en-GB" dirty="0"/>
+          </a:p>
+        </p:txBody>
+      </p:sp>
+      <p:sp>
+        <p:nvSpPr>
+          <p:cNvPr id="4" name="Slide Number Placeholder 3"/>
+          <p:cNvSpPr>
+            <a:spLocks noGrp="1"/>
+          </p:cNvSpPr>
+          <p:nvPr>
+            <p:ph type="sldNum" sz="quarter" idx="12"/>
+          </p:nvPr>
+        </p:nvSpPr>
+        <p:spPr/>
+        <p:txBody>
+          <a:bodyPr/>
+          <a:lstStyle/>
+          <a:p>
+            <a:fld id="{D57F1E4F-1CFF-5643-939E-02111984F565}" type="slidenum">
+              <a:rPr lang="en-US" smtClean="0"/>
+              <a:t>7</a:t>
+            </a:fld>
+            <a:endParaRPr lang="en-US" dirty="0"/>
+          </a:p>
+        </p:txBody>
+      </p:sp>
+    </p:spTree>
+    <p:extLst>
+      <p:ext uri="{BB962C8B-B14F-4D97-AF65-F5344CB8AC3E}">
+        <p14:creationId xmlns:p14="http://schemas.microsoft.com/office/powerpoint/2010/main" val="2819557225"/>
       </p:ext>
     </p:extLst>
   </p:cSld>

--- a/ReportingServer_Delavnica.pptx
+++ b/ReportingServer_Delavnica.pptx
@@ -3453,8 +3453,82 @@
           <a:p>
             <a:r>
               <a:rPr lang="en-GB" dirty="0" smtClean="0"/>
-              <a:t>Embedding R (Python) code</a:t>
-            </a:r>
+              <a:t>Embedding R (Python) </a:t>
+            </a:r>
+            <a:r>
+              <a:rPr lang="en-GB" dirty="0" smtClean="0"/>
+              <a:t>code</a:t>
+            </a:r>
+            <a:endParaRPr lang="sl-SI" dirty="0" smtClean="0"/>
+          </a:p>
+          <a:p>
+            <a:endParaRPr lang="sl-SI" dirty="0"/>
+          </a:p>
+          <a:p>
+            <a:r>
+              <a:rPr lang="sl-SI" dirty="0" err="1" smtClean="0"/>
+              <a:t>Samples</a:t>
+            </a:r>
+            <a:r>
+              <a:rPr lang="sl-SI" dirty="0" smtClean="0"/>
+              <a:t>:  </a:t>
+            </a:r>
+            <a:r>
+              <a:rPr lang="en-GB" dirty="0">
+                <a:hlinkClick r:id="rId2"/>
+              </a:rPr>
+              <a:t>https://</a:t>
+            </a:r>
+            <a:r>
+              <a:rPr lang="en-GB" dirty="0" smtClean="0">
+                <a:hlinkClick r:id="rId2"/>
+              </a:rPr>
+              <a:t>github.com/tomazgeni/FawltyTowers</a:t>
+            </a:r>
+            <a:endParaRPr lang="sl-SI" dirty="0" smtClean="0"/>
+          </a:p>
+          <a:p>
+            <a:r>
+              <a:rPr lang="sl-SI" dirty="0" err="1" smtClean="0"/>
+              <a:t>Report</a:t>
+            </a:r>
+            <a:r>
+              <a:rPr lang="sl-SI" dirty="0" smtClean="0"/>
+              <a:t> </a:t>
+            </a:r>
+            <a:r>
+              <a:rPr lang="sl-SI" dirty="0" err="1" smtClean="0"/>
+              <a:t>Builder</a:t>
+            </a:r>
+            <a:r>
+              <a:rPr lang="sl-SI" dirty="0" smtClean="0"/>
+              <a:t> 2016 : </a:t>
+            </a:r>
+            <a:r>
+              <a:rPr lang="sl-SI" dirty="0" err="1" smtClean="0"/>
+              <a:t>Gen-i</a:t>
+            </a:r>
+            <a:r>
+              <a:rPr lang="sl-SI" dirty="0" smtClean="0"/>
+              <a:t> Software center</a:t>
+            </a:r>
+          </a:p>
+          <a:p>
+            <a:pPr marL="0" indent="0">
+              <a:buNone/>
+            </a:pPr>
+            <a:endParaRPr lang="sl-SI" dirty="0" smtClean="0"/>
+          </a:p>
+          <a:p>
+            <a:pPr marL="0" indent="0">
+              <a:buNone/>
+            </a:pPr>
+            <a:endParaRPr lang="sl-SI" dirty="0" smtClean="0"/>
+          </a:p>
+          <a:p>
+            <a:pPr marL="0" indent="0">
+              <a:buNone/>
+            </a:pPr>
             <a:endParaRPr lang="en-GB" dirty="0"/>
           </a:p>
         </p:txBody>
@@ -3482,6 +3556,30 @@
           </a:p>
         </p:txBody>
       </p:sp>
+      <p:pic>
+        <p:nvPicPr>
+          <p:cNvPr id="5" name="Picture 4"/>
+          <p:cNvPicPr>
+            <a:picLocks noChangeAspect="1"/>
+          </p:cNvPicPr>
+          <p:nvPr/>
+        </p:nvPicPr>
+        <p:blipFill>
+          <a:blip r:embed="rId3"/>
+          <a:stretch>
+            <a:fillRect/>
+          </a:stretch>
+        </p:blipFill>
+        <p:spPr>
+          <a:xfrm>
+            <a:off x="6660851" y="4963803"/>
+            <a:ext cx="975624" cy="1590190"/>
+          </a:xfrm>
+          <a:prstGeom prst="rect">
+            <a:avLst/>
+          </a:prstGeom>
+        </p:spPr>
+      </p:pic>
     </p:spTree>
     <p:extLst>
       <p:ext uri="{BB962C8B-B14F-4D97-AF65-F5344CB8AC3E}">
@@ -4247,7 +4345,6 @@
               <a:rPr lang="en-GB" dirty="0"/>
               <a:t>Embedding R (Python) code</a:t>
             </a:r>
-            <a:endParaRPr lang="en-GB" dirty="0"/>
           </a:p>
         </p:txBody>
       </p:sp>

--- a/ReportingServer_Delavnica.pptx
+++ b/ReportingServer_Delavnica.pptx
@@ -5,7 +5,7 @@
     <p:sldMasterId id="2147483683" r:id="rId1"/>
   </p:sldMasterIdLst>
   <p:notesMasterIdLst>
-    <p:notesMasterId r:id="rId9"/>
+    <p:notesMasterId r:id="rId10"/>
   </p:notesMasterIdLst>
   <p:sldIdLst>
     <p:sldId id="256" r:id="rId2"/>
@@ -15,6 +15,7 @@
     <p:sldId id="261" r:id="rId6"/>
     <p:sldId id="262" r:id="rId7"/>
     <p:sldId id="259" r:id="rId8"/>
+    <p:sldId id="263" r:id="rId9"/>
   </p:sldIdLst>
   <p:sldSz cx="9144000" cy="6858000" type="screen4x3"/>
   <p:notesSz cx="6858000" cy="9144000"/>
@@ -3453,11 +3454,7 @@
           <a:p>
             <a:r>
               <a:rPr lang="en-GB" dirty="0" smtClean="0"/>
-              <a:t>Embedding R (Python) </a:t>
-            </a:r>
-            <a:r>
-              <a:rPr lang="en-GB" dirty="0" smtClean="0"/>
-              <a:t>code</a:t>
+              <a:t>Embedding R (Python) code</a:t>
             </a:r>
             <a:endParaRPr lang="sl-SI" dirty="0" smtClean="0"/>
           </a:p>
@@ -4746,6 +4743,342 @@
     <p:extLst>
       <p:ext uri="{BB962C8B-B14F-4D97-AF65-F5344CB8AC3E}">
         <p14:creationId xmlns:p14="http://schemas.microsoft.com/office/powerpoint/2010/main" val="2819557225"/>
+      </p:ext>
+    </p:extLst>
+  </p:cSld>
+  <p:clrMapOvr>
+    <a:masterClrMapping/>
+  </p:clrMapOvr>
+</p:sld>
+</file>
+
+<file path=ppt/slides/slide8.xml><?xml version="1.0" encoding="utf-8"?>
+<p:sld xmlns:a="http://schemas.openxmlformats.org/drawingml/2006/main" xmlns:r="http://schemas.openxmlformats.org/officeDocument/2006/relationships" xmlns:p="http://schemas.openxmlformats.org/presentationml/2006/main">
+  <p:cSld>
+    <p:spTree>
+      <p:nvGrpSpPr>
+        <p:cNvPr id="1" name=""/>
+        <p:cNvGrpSpPr/>
+        <p:nvPr/>
+      </p:nvGrpSpPr>
+      <p:grpSpPr>
+        <a:xfrm>
+          <a:off x="0" y="0"/>
+          <a:ext cx="0" cy="0"/>
+          <a:chOff x="0" y="0"/>
+          <a:chExt cx="0" cy="0"/>
+        </a:xfrm>
+      </p:grpSpPr>
+      <p:sp>
+        <p:nvSpPr>
+          <p:cNvPr id="2" name="Title 1">
+            <a:extLst>
+              <a:ext uri="{FF2B5EF4-FFF2-40B4-BE49-F238E27FC236}">
+                <a16:creationId xmlns:a16="http://schemas.microsoft.com/office/drawing/2014/main" id="{41C4104F-2EAE-451C-8A4D-37A79430A29B}"/>
+              </a:ext>
+            </a:extLst>
+          </p:cNvPr>
+          <p:cNvSpPr>
+            <a:spLocks noGrp="1"/>
+          </p:cNvSpPr>
+          <p:nvPr>
+            <p:ph type="title"/>
+          </p:nvPr>
+        </p:nvSpPr>
+        <p:spPr/>
+        <p:txBody>
+          <a:bodyPr/>
+          <a:lstStyle/>
+          <a:p>
+            <a:r>
+              <a:rPr lang="sl-SI" dirty="0" err="1" smtClean="0"/>
+              <a:t>Give</a:t>
+            </a:r>
+            <a:r>
+              <a:rPr lang="sl-SI" dirty="0" smtClean="0"/>
+              <a:t> </a:t>
+            </a:r>
+            <a:r>
+              <a:rPr lang="sl-SI" dirty="0" err="1" smtClean="0"/>
+              <a:t>us</a:t>
+            </a:r>
+            <a:r>
+              <a:rPr lang="sl-SI" dirty="0" smtClean="0"/>
+              <a:t> </a:t>
+            </a:r>
+            <a:r>
+              <a:rPr lang="sl-SI" dirty="0" err="1" smtClean="0"/>
+              <a:t>your</a:t>
+            </a:r>
+            <a:r>
+              <a:rPr lang="sl-SI" dirty="0" smtClean="0"/>
+              <a:t> </a:t>
+            </a:r>
+            <a:r>
+              <a:rPr lang="sl-SI" dirty="0" err="1" smtClean="0"/>
+              <a:t>feedback</a:t>
+            </a:r>
+            <a:endParaRPr lang="LID4096" dirty="0"/>
+          </a:p>
+        </p:txBody>
+      </p:sp>
+      <p:sp>
+        <p:nvSpPr>
+          <p:cNvPr id="3" name="Content Placeholder 2">
+            <a:extLst>
+              <a:ext uri="{FF2B5EF4-FFF2-40B4-BE49-F238E27FC236}">
+                <a16:creationId xmlns:a16="http://schemas.microsoft.com/office/drawing/2014/main" id="{BA63B557-217E-4415-9B56-994EE26BBAE4}"/>
+              </a:ext>
+            </a:extLst>
+          </p:cNvPr>
+          <p:cNvSpPr>
+            <a:spLocks noGrp="1"/>
+          </p:cNvSpPr>
+          <p:nvPr>
+            <p:ph idx="1"/>
+          </p:nvPr>
+        </p:nvSpPr>
+        <p:spPr/>
+        <p:txBody>
+          <a:bodyPr>
+            <a:normAutofit/>
+          </a:bodyPr>
+          <a:lstStyle/>
+          <a:p>
+            <a:r>
+              <a:rPr lang="sl-SI" dirty="0" err="1" smtClean="0"/>
+              <a:t>Give</a:t>
+            </a:r>
+            <a:r>
+              <a:rPr lang="sl-SI" dirty="0" smtClean="0"/>
+              <a:t> </a:t>
+            </a:r>
+            <a:r>
+              <a:rPr lang="sl-SI" dirty="0" err="1" smtClean="0"/>
+              <a:t>us</a:t>
+            </a:r>
+            <a:r>
+              <a:rPr lang="sl-SI" dirty="0" smtClean="0"/>
+              <a:t> </a:t>
+            </a:r>
+            <a:r>
+              <a:rPr lang="sl-SI" dirty="0" err="1" smtClean="0"/>
+              <a:t>your</a:t>
+            </a:r>
+            <a:r>
+              <a:rPr lang="sl-SI" dirty="0" smtClean="0"/>
+              <a:t> </a:t>
+            </a:r>
+            <a:r>
+              <a:rPr lang="sl-SI" dirty="0" err="1" smtClean="0"/>
+              <a:t>feedback</a:t>
+            </a:r>
+            <a:endParaRPr lang="sl-SI" dirty="0" smtClean="0"/>
+          </a:p>
+          <a:p>
+            <a:r>
+              <a:rPr lang="sl-SI" dirty="0" smtClean="0"/>
+              <a:t>How </a:t>
+            </a:r>
+            <a:r>
+              <a:rPr lang="sl-SI" dirty="0" err="1" smtClean="0"/>
+              <a:t>usefull</a:t>
+            </a:r>
+            <a:r>
+              <a:rPr lang="sl-SI" dirty="0" smtClean="0"/>
+              <a:t> / </a:t>
+            </a:r>
+            <a:r>
+              <a:rPr lang="sl-SI" dirty="0" err="1" smtClean="0"/>
+              <a:t>useless</a:t>
+            </a:r>
+            <a:r>
+              <a:rPr lang="sl-SI" dirty="0" smtClean="0"/>
+              <a:t> </a:t>
+            </a:r>
+            <a:r>
+              <a:rPr lang="sl-SI" dirty="0" err="1" smtClean="0"/>
+              <a:t>did</a:t>
+            </a:r>
+            <a:r>
+              <a:rPr lang="sl-SI" dirty="0" smtClean="0"/>
+              <a:t> </a:t>
+            </a:r>
+            <a:r>
+              <a:rPr lang="sl-SI" dirty="0" err="1" smtClean="0"/>
+              <a:t>you</a:t>
+            </a:r>
+            <a:r>
+              <a:rPr lang="sl-SI" dirty="0" smtClean="0"/>
+              <a:t> </a:t>
+            </a:r>
+            <a:r>
+              <a:rPr lang="sl-SI" dirty="0" err="1" smtClean="0"/>
+              <a:t>find</a:t>
+            </a:r>
+            <a:r>
+              <a:rPr lang="sl-SI" dirty="0" smtClean="0"/>
+              <a:t> </a:t>
+            </a:r>
+            <a:r>
+              <a:rPr lang="sl-SI" dirty="0" err="1" smtClean="0"/>
+              <a:t>this</a:t>
+            </a:r>
+            <a:r>
+              <a:rPr lang="sl-SI" dirty="0" smtClean="0"/>
+              <a:t> </a:t>
+            </a:r>
+            <a:r>
+              <a:rPr lang="sl-SI" dirty="0" err="1" smtClean="0"/>
+              <a:t>workshop</a:t>
+            </a:r>
+            <a:r>
+              <a:rPr lang="sl-SI" dirty="0" smtClean="0"/>
+              <a:t>?</a:t>
+            </a:r>
+          </a:p>
+          <a:p>
+            <a:r>
+              <a:rPr lang="sl-SI" dirty="0" err="1" smtClean="0"/>
+              <a:t>What</a:t>
+            </a:r>
+            <a:r>
+              <a:rPr lang="sl-SI" dirty="0" smtClean="0"/>
+              <a:t> </a:t>
+            </a:r>
+            <a:r>
+              <a:rPr lang="sl-SI" dirty="0" err="1" smtClean="0"/>
+              <a:t>would</a:t>
+            </a:r>
+            <a:r>
+              <a:rPr lang="sl-SI" dirty="0" smtClean="0"/>
+              <a:t> make it </a:t>
+            </a:r>
+            <a:r>
+              <a:rPr lang="sl-SI" dirty="0" err="1" smtClean="0"/>
+              <a:t>better</a:t>
+            </a:r>
+            <a:r>
+              <a:rPr lang="sl-SI" dirty="0" smtClean="0"/>
+              <a:t>?</a:t>
+            </a:r>
+            <a:endParaRPr lang="sl-SI" dirty="0"/>
+          </a:p>
+          <a:p>
+            <a:r>
+              <a:rPr lang="sl-SI" dirty="0" err="1" smtClean="0"/>
+              <a:t>Was</a:t>
+            </a:r>
+            <a:r>
+              <a:rPr lang="sl-SI" dirty="0" smtClean="0"/>
+              <a:t> a </a:t>
+            </a:r>
+            <a:r>
+              <a:rPr lang="sl-SI" dirty="0" err="1" smtClean="0"/>
+              <a:t>particular</a:t>
+            </a:r>
+            <a:r>
+              <a:rPr lang="sl-SI" dirty="0" smtClean="0"/>
+              <a:t> </a:t>
+            </a:r>
+            <a:r>
+              <a:rPr lang="sl-SI" dirty="0" err="1" smtClean="0"/>
+              <a:t>topic</a:t>
+            </a:r>
+            <a:r>
+              <a:rPr lang="sl-SI" dirty="0" smtClean="0"/>
+              <a:t> </a:t>
+            </a:r>
+            <a:r>
+              <a:rPr lang="sl-SI" dirty="0" err="1" smtClean="0"/>
+              <a:t>left</a:t>
+            </a:r>
+            <a:r>
+              <a:rPr lang="sl-SI" dirty="0" smtClean="0"/>
+              <a:t> out?</a:t>
+            </a:r>
+          </a:p>
+          <a:p>
+            <a:r>
+              <a:rPr lang="sl-SI" dirty="0" err="1" smtClean="0"/>
+              <a:t>Would</a:t>
+            </a:r>
+            <a:r>
+              <a:rPr lang="sl-SI" dirty="0" smtClean="0"/>
+              <a:t> </a:t>
+            </a:r>
+            <a:r>
+              <a:rPr lang="sl-SI" dirty="0" err="1" smtClean="0"/>
+              <a:t>you</a:t>
+            </a:r>
+            <a:r>
+              <a:rPr lang="sl-SI" dirty="0" smtClean="0"/>
+              <a:t> </a:t>
+            </a:r>
+            <a:r>
+              <a:rPr lang="sl-SI" dirty="0" err="1" smtClean="0"/>
+              <a:t>recommend</a:t>
+            </a:r>
+            <a:r>
+              <a:rPr lang="sl-SI" dirty="0" smtClean="0"/>
+              <a:t> </a:t>
+            </a:r>
+            <a:r>
+              <a:rPr lang="sl-SI" dirty="0" err="1" smtClean="0"/>
+              <a:t>this</a:t>
+            </a:r>
+            <a:r>
+              <a:rPr lang="sl-SI" dirty="0" smtClean="0"/>
+              <a:t> </a:t>
+            </a:r>
+            <a:r>
+              <a:rPr lang="sl-SI" dirty="0" err="1" smtClean="0"/>
+              <a:t>workshop</a:t>
+            </a:r>
+            <a:r>
+              <a:rPr lang="sl-SI" dirty="0" smtClean="0"/>
+              <a:t> to </a:t>
+            </a:r>
+            <a:r>
+              <a:rPr lang="sl-SI" dirty="0" err="1" smtClean="0"/>
+              <a:t>your</a:t>
+            </a:r>
+            <a:r>
+              <a:rPr lang="sl-SI" dirty="0" smtClean="0"/>
+              <a:t> </a:t>
+            </a:r>
+            <a:r>
+              <a:rPr lang="sl-SI" dirty="0" err="1" smtClean="0"/>
+              <a:t>collegue</a:t>
+            </a:r>
+            <a:r>
+              <a:rPr lang="sl-SI" dirty="0" smtClean="0"/>
+              <a:t>?</a:t>
+            </a:r>
+          </a:p>
+          <a:p>
+            <a:endParaRPr lang="sl-SI" dirty="0"/>
+          </a:p>
+          <a:p>
+            <a:endParaRPr lang="sl-SI" dirty="0" smtClean="0"/>
+          </a:p>
+          <a:p>
+            <a:r>
+              <a:rPr lang="sl-SI" dirty="0" err="1" smtClean="0"/>
+              <a:t>Email</a:t>
+            </a:r>
+            <a:r>
+              <a:rPr lang="sl-SI" dirty="0" smtClean="0"/>
+              <a:t> to: </a:t>
+            </a:r>
+            <a:endParaRPr lang="sl-SI" dirty="0"/>
+          </a:p>
+        </p:txBody>
+      </p:sp>
+    </p:spTree>
+    <p:extLst>
+      <p:ext uri="{BB962C8B-B14F-4D97-AF65-F5344CB8AC3E}">
+        <p14:creationId xmlns:p14="http://schemas.microsoft.com/office/powerpoint/2010/main" val="3576103347"/>
       </p:ext>
     </p:extLst>
   </p:cSld>
